--- a/files/bin/black.pptx
+++ b/files/bin/black.pptx
@@ -104,6 +104,11 @@
       </a:defRPr>
     </a:lvl9pPr>
   </p:defaultTextStyle>
+  <p:extLst>
+    <p:ext uri="{EFAFB233-063F-42B5-8137-9DF3F51BA10A}">
+      <p15:sldGuideLst xmlns:p15="http://schemas.microsoft.com/office/powerpoint/2012/main"/>
+    </p:ext>
+  </p:extLst>
 </p:presentation>
 </file>
 
@@ -238,7 +243,7 @@
           <a:p>
             <a:fld id="{A2BF4C91-57A7-B742-9317-D194B8C0B0DA}" type="datetimeFigureOut">
               <a:rPr lang="en-DE" smtClean="0"/>
-              <a:t>08.10.22</a:t>
+              <a:t>20.10.22</a:t>
             </a:fld>
             <a:endParaRPr lang="en-DE"/>
           </a:p>
@@ -408,7 +413,7 @@
           <a:p>
             <a:fld id="{A2BF4C91-57A7-B742-9317-D194B8C0B0DA}" type="datetimeFigureOut">
               <a:rPr lang="en-DE" smtClean="0"/>
-              <a:t>08.10.22</a:t>
+              <a:t>20.10.22</a:t>
             </a:fld>
             <a:endParaRPr lang="en-DE"/>
           </a:p>
@@ -588,7 +593,7 @@
           <a:p>
             <a:fld id="{A2BF4C91-57A7-B742-9317-D194B8C0B0DA}" type="datetimeFigureOut">
               <a:rPr lang="en-DE" smtClean="0"/>
-              <a:t>08.10.22</a:t>
+              <a:t>20.10.22</a:t>
             </a:fld>
             <a:endParaRPr lang="en-DE"/>
           </a:p>
@@ -758,7 +763,7 @@
           <a:p>
             <a:fld id="{A2BF4C91-57A7-B742-9317-D194B8C0B0DA}" type="datetimeFigureOut">
               <a:rPr lang="en-DE" smtClean="0"/>
-              <a:t>08.10.22</a:t>
+              <a:t>20.10.22</a:t>
             </a:fld>
             <a:endParaRPr lang="en-DE"/>
           </a:p>
@@ -1004,7 +1009,7 @@
           <a:p>
             <a:fld id="{A2BF4C91-57A7-B742-9317-D194B8C0B0DA}" type="datetimeFigureOut">
               <a:rPr lang="en-DE" smtClean="0"/>
-              <a:t>08.10.22</a:t>
+              <a:t>20.10.22</a:t>
             </a:fld>
             <a:endParaRPr lang="en-DE"/>
           </a:p>
@@ -1236,7 +1241,7 @@
           <a:p>
             <a:fld id="{A2BF4C91-57A7-B742-9317-D194B8C0B0DA}" type="datetimeFigureOut">
               <a:rPr lang="en-DE" smtClean="0"/>
-              <a:t>08.10.22</a:t>
+              <a:t>20.10.22</a:t>
             </a:fld>
             <a:endParaRPr lang="en-DE"/>
           </a:p>
@@ -1603,7 +1608,7 @@
           <a:p>
             <a:fld id="{A2BF4C91-57A7-B742-9317-D194B8C0B0DA}" type="datetimeFigureOut">
               <a:rPr lang="en-DE" smtClean="0"/>
-              <a:t>08.10.22</a:t>
+              <a:t>20.10.22</a:t>
             </a:fld>
             <a:endParaRPr lang="en-DE"/>
           </a:p>
@@ -1721,7 +1726,7 @@
           <a:p>
             <a:fld id="{A2BF4C91-57A7-B742-9317-D194B8C0B0DA}" type="datetimeFigureOut">
               <a:rPr lang="en-DE" smtClean="0"/>
-              <a:t>08.10.22</a:t>
+              <a:t>20.10.22</a:t>
             </a:fld>
             <a:endParaRPr lang="en-DE"/>
           </a:p>
@@ -1816,7 +1821,7 @@
           <a:p>
             <a:fld id="{A2BF4C91-57A7-B742-9317-D194B8C0B0DA}" type="datetimeFigureOut">
               <a:rPr lang="en-DE" smtClean="0"/>
-              <a:t>08.10.22</a:t>
+              <a:t>20.10.22</a:t>
             </a:fld>
             <a:endParaRPr lang="en-DE"/>
           </a:p>
@@ -2093,7 +2098,7 @@
           <a:p>
             <a:fld id="{A2BF4C91-57A7-B742-9317-D194B8C0B0DA}" type="datetimeFigureOut">
               <a:rPr lang="en-DE" smtClean="0"/>
-              <a:t>08.10.22</a:t>
+              <a:t>20.10.22</a:t>
             </a:fld>
             <a:endParaRPr lang="en-DE"/>
           </a:p>
@@ -2350,7 +2355,7 @@
           <a:p>
             <a:fld id="{A2BF4C91-57A7-B742-9317-D194B8C0B0DA}" type="datetimeFigureOut">
               <a:rPr lang="en-DE" smtClean="0"/>
-              <a:t>08.10.22</a:t>
+              <a:t>20.10.22</a:t>
             </a:fld>
             <a:endParaRPr lang="en-DE"/>
           </a:p>
@@ -2415,9 +2420,26 @@
 <p:sldMaster xmlns:a="http://schemas.openxmlformats.org/drawingml/2006/main" xmlns:r="http://schemas.openxmlformats.org/officeDocument/2006/relationships" xmlns:p="http://schemas.openxmlformats.org/presentationml/2006/main">
   <p:cSld>
     <p:bg>
-      <p:bgRef idx="1001">
-        <a:schemeClr val="bg1"/>
-      </p:bgRef>
+      <p:bgPr>
+        <a:gradFill flip="none" rotWithShape="1">
+          <a:gsLst>
+            <a:gs pos="0">
+              <a:schemeClr val="bg1"/>
+            </a:gs>
+            <a:gs pos="50000">
+              <a:schemeClr val="bg2">
+                <a:lumMod val="50000"/>
+              </a:schemeClr>
+            </a:gs>
+            <a:gs pos="100000">
+              <a:schemeClr val="bg1"/>
+            </a:gs>
+          </a:gsLst>
+          <a:lin ang="5400000" scaled="1"/>
+          <a:tileRect/>
+        </a:gradFill>
+        <a:effectLst/>
+      </p:bgPr>
     </p:bg>
     <p:spTree>
       <p:nvGrpSpPr>
@@ -2563,7 +2585,7 @@
           <a:p>
             <a:fld id="{A2BF4C91-57A7-B742-9317-D194B8C0B0DA}" type="datetimeFigureOut">
               <a:rPr lang="en-DE" smtClean="0"/>
-              <a:t>08.10.22</a:t>
+              <a:t>20.10.22</a:t>
             </a:fld>
             <a:endParaRPr lang="en-DE"/>
           </a:p>
@@ -2968,56 +2990,6 @@
           <a:chExt cx="0" cy="0"/>
         </a:xfrm>
       </p:grpSpPr>
-      <p:sp>
-        <p:nvSpPr>
-          <p:cNvPr id="2" name="Title 1">
-            <a:extLst>
-              <a:ext uri="{FF2B5EF4-FFF2-40B4-BE49-F238E27FC236}">
-                <a16:creationId xmlns:a16="http://schemas.microsoft.com/office/drawing/2014/main" id="{D8669CEC-CFD0-1E0C-9D9E-9CFEE68E3287}"/>
-              </a:ext>
-            </a:extLst>
-          </p:cNvPr>
-          <p:cNvSpPr>
-            <a:spLocks noGrp="1"/>
-          </p:cNvSpPr>
-          <p:nvPr>
-            <p:ph type="ctrTitle"/>
-          </p:nvPr>
-        </p:nvSpPr>
-        <p:spPr/>
-        <p:txBody>
-          <a:bodyPr/>
-          <a:lstStyle/>
-          <a:p>
-            <a:endParaRPr lang="en-DE"/>
-          </a:p>
-        </p:txBody>
-      </p:sp>
-      <p:sp>
-        <p:nvSpPr>
-          <p:cNvPr id="3" name="Subtitle 2">
-            <a:extLst>
-              <a:ext uri="{FF2B5EF4-FFF2-40B4-BE49-F238E27FC236}">
-                <a16:creationId xmlns:a16="http://schemas.microsoft.com/office/drawing/2014/main" id="{8F1CDEB5-BBAA-0DA5-8B37-54BAB1A90008}"/>
-              </a:ext>
-            </a:extLst>
-          </p:cNvPr>
-          <p:cNvSpPr>
-            <a:spLocks noGrp="1"/>
-          </p:cNvSpPr>
-          <p:nvPr>
-            <p:ph type="subTitle" idx="1"/>
-          </p:nvPr>
-        </p:nvSpPr>
-        <p:spPr/>
-        <p:txBody>
-          <a:bodyPr/>
-          <a:lstStyle/>
-          <a:p>
-            <a:endParaRPr lang="en-DE"/>
-          </a:p>
-        </p:txBody>
-      </p:sp>
     </p:spTree>
     <p:extLst>
       <p:ext uri="{BB962C8B-B14F-4D97-AF65-F5344CB8AC3E}">
